--- a/chapters/clicknp/imagesrc/sys_arch.pptx
+++ b/chapters/clicknp/imagesrc/sys_arch.pptx
@@ -104,6 +104,11 @@
       </a:defRPr>
     </a:lvl9pPr>
   </p:defaultTextStyle>
+  <p:extLst>
+    <p:ext uri="{EFAFB233-063F-42B5-8137-9DF3F51BA10A}">
+      <p15:sldGuideLst xmlns:p15="http://schemas.microsoft.com/office/powerpoint/2012/main"/>
+    </p:ext>
+  </p:extLst>
 </p:presentation>
 </file>
 
@@ -254,7 +259,7 @@
           <a:p>
             <a:fld id="{6DC4BD75-2695-4E38-B650-E30EEEE561B8}" type="datetimeFigureOut">
               <a:rPr lang="en-US" smtClean="0"/>
-              <a:t>4/18/2019</a:t>
+              <a:t>5/28/19</a:t>
             </a:fld>
             <a:endParaRPr lang="en-US"/>
           </a:p>
@@ -452,7 +457,7 @@
           <a:p>
             <a:fld id="{6DC4BD75-2695-4E38-B650-E30EEEE561B8}" type="datetimeFigureOut">
               <a:rPr lang="en-US" smtClean="0"/>
-              <a:t>4/18/2019</a:t>
+              <a:t>5/28/19</a:t>
             </a:fld>
             <a:endParaRPr lang="en-US"/>
           </a:p>
@@ -660,7 +665,7 @@
           <a:p>
             <a:fld id="{6DC4BD75-2695-4E38-B650-E30EEEE561B8}" type="datetimeFigureOut">
               <a:rPr lang="en-US" smtClean="0"/>
-              <a:t>4/18/2019</a:t>
+              <a:t>5/28/19</a:t>
             </a:fld>
             <a:endParaRPr lang="en-US"/>
           </a:p>
@@ -858,7 +863,7 @@
           <a:p>
             <a:fld id="{6DC4BD75-2695-4E38-B650-E30EEEE561B8}" type="datetimeFigureOut">
               <a:rPr lang="en-US" smtClean="0"/>
-              <a:t>4/18/2019</a:t>
+              <a:t>5/28/19</a:t>
             </a:fld>
             <a:endParaRPr lang="en-US"/>
           </a:p>
@@ -1133,7 +1138,7 @@
           <a:p>
             <a:fld id="{6DC4BD75-2695-4E38-B650-E30EEEE561B8}" type="datetimeFigureOut">
               <a:rPr lang="en-US" smtClean="0"/>
-              <a:t>4/18/2019</a:t>
+              <a:t>5/28/19</a:t>
             </a:fld>
             <a:endParaRPr lang="en-US"/>
           </a:p>
@@ -1398,7 +1403,7 @@
           <a:p>
             <a:fld id="{6DC4BD75-2695-4E38-B650-E30EEEE561B8}" type="datetimeFigureOut">
               <a:rPr lang="en-US" smtClean="0"/>
-              <a:t>4/18/2019</a:t>
+              <a:t>5/28/19</a:t>
             </a:fld>
             <a:endParaRPr lang="en-US"/>
           </a:p>
@@ -1810,7 +1815,7 @@
           <a:p>
             <a:fld id="{6DC4BD75-2695-4E38-B650-E30EEEE561B8}" type="datetimeFigureOut">
               <a:rPr lang="en-US" smtClean="0"/>
-              <a:t>4/18/2019</a:t>
+              <a:t>5/28/19</a:t>
             </a:fld>
             <a:endParaRPr lang="en-US"/>
           </a:p>
@@ -1951,7 +1956,7 @@
           <a:p>
             <a:fld id="{6DC4BD75-2695-4E38-B650-E30EEEE561B8}" type="datetimeFigureOut">
               <a:rPr lang="en-US" smtClean="0"/>
-              <a:t>4/18/2019</a:t>
+              <a:t>5/28/19</a:t>
             </a:fld>
             <a:endParaRPr lang="en-US"/>
           </a:p>
@@ -2064,7 +2069,7 @@
           <a:p>
             <a:fld id="{6DC4BD75-2695-4E38-B650-E30EEEE561B8}" type="datetimeFigureOut">
               <a:rPr lang="en-US" smtClean="0"/>
-              <a:t>4/18/2019</a:t>
+              <a:t>5/28/19</a:t>
             </a:fld>
             <a:endParaRPr lang="en-US"/>
           </a:p>
@@ -2375,7 +2380,7 @@
           <a:p>
             <a:fld id="{6DC4BD75-2695-4E38-B650-E30EEEE561B8}" type="datetimeFigureOut">
               <a:rPr lang="en-US" smtClean="0"/>
-              <a:t>4/18/2019</a:t>
+              <a:t>5/28/19</a:t>
             </a:fld>
             <a:endParaRPr lang="en-US"/>
           </a:p>
@@ -2663,7 +2668,7 @@
           <a:p>
             <a:fld id="{6DC4BD75-2695-4E38-B650-E30EEEE561B8}" type="datetimeFigureOut">
               <a:rPr lang="en-US" smtClean="0"/>
-              <a:t>4/18/2019</a:t>
+              <a:t>5/28/19</a:t>
             </a:fld>
             <a:endParaRPr lang="en-US"/>
           </a:p>
@@ -2904,7 +2909,7 @@
           <a:p>
             <a:fld id="{6DC4BD75-2695-4E38-B650-E30EEEE561B8}" type="datetimeFigureOut">
               <a:rPr lang="en-US" smtClean="0"/>
-              <a:t>4/18/2019</a:t>
+              <a:t>5/28/19</a:t>
             </a:fld>
             <a:endParaRPr lang="en-US"/>
           </a:p>
@@ -3342,7 +3347,7 @@
           <a:bodyPr/>
           <a:lstStyle/>
           <a:p>
-            <a:endParaRPr lang="en-US"/>
+            <a:endParaRPr lang="en-US" dirty="0"/>
           </a:p>
         </p:txBody>
       </p:sp>
@@ -3804,6 +3809,14 @@
             <a:chOff x="5474805" y="4787345"/>
             <a:chExt cx="1007424" cy="382629"/>
           </a:xfrm>
+          <a:pattFill prst="wdDnDiag">
+            <a:fgClr>
+              <a:srgbClr val="C00000"/>
+            </a:fgClr>
+            <a:bgClr>
+              <a:schemeClr val="bg1"/>
+            </a:bgClr>
+          </a:pattFill>
         </p:grpSpPr>
         <p:sp>
           <p:nvSpPr>
@@ -3825,11 +3838,11 @@
             <a:prstGeom prst="rect">
               <a:avLst/>
             </a:prstGeom>
-            <a:solidFill>
-              <a:srgbClr val="C00000"/>
-            </a:solidFill>
+            <a:grpFill/>
             <a:ln>
-              <a:noFill/>
+              <a:solidFill>
+                <a:schemeClr val="tx1"/>
+              </a:solidFill>
               <a:headEnd type="none" w="med" len="med"/>
               <a:tailEnd type="none" w="med" len="med"/>
             </a:ln>
@@ -3870,18 +3883,10 @@
                 </a:spcAft>
                 <a:defRPr/>
               </a:pPr>
-              <a:endParaRPr lang="en-US" sz="1200">
-                <a:gradFill>
-                  <a:gsLst>
-                    <a:gs pos="0">
-                      <a:srgbClr val="FFFFFF"/>
-                    </a:gs>
-                    <a:gs pos="100000">
-                      <a:srgbClr val="FFFFFF"/>
-                    </a:gs>
-                  </a:gsLst>
-                  <a:lin ang="5400000" scaled="0"/>
-                </a:gradFill>
+              <a:endParaRPr lang="en-US" sz="1200" b="1">
+                <a:solidFill>
+                  <a:schemeClr val="tx1"/>
+                </a:solidFill>
                 <a:latin typeface="Segoe UI Semibold" panose="020B0702040204020203" pitchFamily="34" charset="0"/>
                 <a:cs typeface="Segoe UI Semibold" panose="020B0702040204020203" pitchFamily="34" charset="0"/>
               </a:endParaRPr>
@@ -3908,11 +3913,11 @@
             <a:prstGeom prst="rect">
               <a:avLst/>
             </a:prstGeom>
-            <a:solidFill>
-              <a:srgbClr val="C00000"/>
-            </a:solidFill>
+            <a:grpFill/>
             <a:ln>
-              <a:noFill/>
+              <a:solidFill>
+                <a:schemeClr val="tx1"/>
+              </a:solidFill>
               <a:headEnd type="none" w="med" len="med"/>
               <a:tailEnd type="none" w="med" len="med"/>
             </a:ln>
@@ -3953,18 +3958,10 @@
                 </a:spcAft>
                 <a:defRPr/>
               </a:pPr>
-              <a:endParaRPr lang="en-US" sz="1200">
-                <a:gradFill>
-                  <a:gsLst>
-                    <a:gs pos="0">
-                      <a:srgbClr val="FFFFFF"/>
-                    </a:gs>
-                    <a:gs pos="100000">
-                      <a:srgbClr val="FFFFFF"/>
-                    </a:gs>
-                  </a:gsLst>
-                  <a:lin ang="5400000" scaled="0"/>
-                </a:gradFill>
+              <a:endParaRPr lang="en-US" sz="1200" b="1">
+                <a:solidFill>
+                  <a:schemeClr val="tx1"/>
+                </a:solidFill>
                 <a:latin typeface="Segoe UI Semibold" panose="020B0702040204020203" pitchFamily="34" charset="0"/>
                 <a:cs typeface="Segoe UI Semibold" panose="020B0702040204020203" pitchFamily="34" charset="0"/>
               </a:endParaRPr>
@@ -3991,11 +3988,11 @@
             <a:prstGeom prst="rect">
               <a:avLst/>
             </a:prstGeom>
-            <a:solidFill>
-              <a:srgbClr val="C00000"/>
-            </a:solidFill>
+            <a:grpFill/>
             <a:ln>
-              <a:noFill/>
+              <a:solidFill>
+                <a:schemeClr val="tx1"/>
+              </a:solidFill>
               <a:headEnd type="none" w="med" len="med"/>
               <a:tailEnd type="none" w="med" len="med"/>
             </a:ln>
@@ -4037,35 +4034,19 @@
                 <a:defRPr/>
               </a:pPr>
               <a:r>
-                <a:rPr lang="zh-CN" altLang="en-US" sz="1200" dirty="0">
-                  <a:gradFill>
-                    <a:gsLst>
-                      <a:gs pos="0">
-                        <a:srgbClr val="FFFFFF"/>
-                      </a:gs>
-                      <a:gs pos="100000">
-                        <a:srgbClr val="FFFFFF"/>
-                      </a:gs>
-                    </a:gsLst>
-                    <a:lin ang="5400000" scaled="0"/>
-                  </a:gradFill>
+                <a:rPr lang="zh-CN" altLang="en-US" sz="1200" b="1" dirty="0">
+                  <a:solidFill>
+                    <a:schemeClr val="tx1"/>
+                  </a:solidFill>
                   <a:latin typeface="Segoe UI Semibold" panose="020B0702040204020203" pitchFamily="34" charset="0"/>
                   <a:cs typeface="Segoe UI Semibold" panose="020B0702040204020203" pitchFamily="34" charset="0"/>
                 </a:rPr>
                 <a:t>可编程网卡</a:t>
               </a:r>
-              <a:endParaRPr lang="en-US" sz="1200" dirty="0">
-                <a:gradFill>
-                  <a:gsLst>
-                    <a:gs pos="0">
-                      <a:srgbClr val="FFFFFF"/>
-                    </a:gs>
-                    <a:gs pos="100000">
-                      <a:srgbClr val="FFFFFF"/>
-                    </a:gs>
-                  </a:gsLst>
-                  <a:lin ang="5400000" scaled="0"/>
-                </a:gradFill>
+              <a:endParaRPr lang="en-US" sz="1200" b="1" dirty="0">
+                <a:solidFill>
+                  <a:schemeClr val="tx1"/>
+                </a:solidFill>
                 <a:latin typeface="Segoe UI Semibold" panose="020B0702040204020203" pitchFamily="34" charset="0"/>
                 <a:cs typeface="Segoe UI Semibold" panose="020B0702040204020203" pitchFamily="34" charset="0"/>
               </a:endParaRPr>
@@ -4819,9 +4800,14 @@
             <a:chOff x="5474805" y="4787345"/>
             <a:chExt cx="1007424" cy="382629"/>
           </a:xfrm>
-          <a:solidFill>
-            <a:srgbClr val="C00000"/>
-          </a:solidFill>
+          <a:pattFill prst="wdDnDiag">
+            <a:fgClr>
+              <a:srgbClr val="C00000"/>
+            </a:fgClr>
+            <a:bgClr>
+              <a:schemeClr val="bg1"/>
+            </a:bgClr>
+          </a:pattFill>
         </p:grpSpPr>
         <p:sp>
           <p:nvSpPr>
@@ -4845,7 +4831,9 @@
             </a:prstGeom>
             <a:grpFill/>
             <a:ln>
-              <a:noFill/>
+              <a:solidFill>
+                <a:schemeClr val="tx1"/>
+              </a:solidFill>
               <a:headEnd type="none" w="med" len="med"/>
               <a:tailEnd type="none" w="med" len="med"/>
             </a:ln>
@@ -4886,18 +4874,10 @@
                 </a:spcAft>
                 <a:defRPr/>
               </a:pPr>
-              <a:endParaRPr lang="en-US" sz="1200">
-                <a:gradFill>
-                  <a:gsLst>
-                    <a:gs pos="0">
-                      <a:srgbClr val="FFFFFF"/>
-                    </a:gs>
-                    <a:gs pos="100000">
-                      <a:srgbClr val="FFFFFF"/>
-                    </a:gs>
-                  </a:gsLst>
-                  <a:lin ang="5400000" scaled="0"/>
-                </a:gradFill>
+              <a:endParaRPr lang="en-US" sz="1200" b="1">
+                <a:solidFill>
+                  <a:schemeClr val="tx1"/>
+                </a:solidFill>
                 <a:latin typeface="Segoe UI Semibold" panose="020B0702040204020203" pitchFamily="34" charset="0"/>
                 <a:cs typeface="Segoe UI Semibold" panose="020B0702040204020203" pitchFamily="34" charset="0"/>
               </a:endParaRPr>
@@ -4926,7 +4906,9 @@
             </a:prstGeom>
             <a:grpFill/>
             <a:ln>
-              <a:noFill/>
+              <a:solidFill>
+                <a:schemeClr val="tx1"/>
+              </a:solidFill>
               <a:headEnd type="none" w="med" len="med"/>
               <a:tailEnd type="none" w="med" len="med"/>
             </a:ln>
@@ -4967,18 +4949,10 @@
                 </a:spcAft>
                 <a:defRPr/>
               </a:pPr>
-              <a:endParaRPr lang="en-US" sz="1200">
-                <a:gradFill>
-                  <a:gsLst>
-                    <a:gs pos="0">
-                      <a:srgbClr val="FFFFFF"/>
-                    </a:gs>
-                    <a:gs pos="100000">
-                      <a:srgbClr val="FFFFFF"/>
-                    </a:gs>
-                  </a:gsLst>
-                  <a:lin ang="5400000" scaled="0"/>
-                </a:gradFill>
+              <a:endParaRPr lang="en-US" sz="1200" b="1">
+                <a:solidFill>
+                  <a:schemeClr val="tx1"/>
+                </a:solidFill>
                 <a:latin typeface="Segoe UI Semibold" panose="020B0702040204020203" pitchFamily="34" charset="0"/>
                 <a:cs typeface="Segoe UI Semibold" panose="020B0702040204020203" pitchFamily="34" charset="0"/>
               </a:endParaRPr>
@@ -5007,7 +4981,9 @@
             </a:prstGeom>
             <a:grpFill/>
             <a:ln>
-              <a:noFill/>
+              <a:solidFill>
+                <a:schemeClr val="tx1"/>
+              </a:solidFill>
               <a:headEnd type="none" w="med" len="med"/>
               <a:tailEnd type="none" w="med" len="med"/>
             </a:ln>
@@ -5049,53 +5025,29 @@
                 <a:defRPr/>
               </a:pPr>
               <a:r>
-                <a:rPr lang="zh-CN" altLang="en-US" sz="1200" dirty="0">
-                  <a:gradFill>
-                    <a:gsLst>
-                      <a:gs pos="0">
-                        <a:srgbClr val="FFFFFF"/>
-                      </a:gs>
-                      <a:gs pos="100000">
-                        <a:srgbClr val="FFFFFF"/>
-                      </a:gs>
-                    </a:gsLst>
-                    <a:lin ang="5400000" scaled="0"/>
-                  </a:gradFill>
+                <a:rPr lang="zh-CN" altLang="en-US" sz="1200" b="1" dirty="0">
+                  <a:solidFill>
+                    <a:schemeClr val="tx1"/>
+                  </a:solidFill>
                   <a:latin typeface="Segoe UI Semibold" panose="020B0702040204020203" pitchFamily="34" charset="0"/>
                   <a:cs typeface="Segoe UI Semibold" panose="020B0702040204020203" pitchFamily="34" charset="0"/>
                 </a:rPr>
                 <a:t>虚拟网卡</a:t>
               </a:r>
               <a:r>
-                <a:rPr lang="en-US" altLang="zh-CN" sz="1200" dirty="0">
-                  <a:gradFill>
-                    <a:gsLst>
-                      <a:gs pos="0">
-                        <a:srgbClr val="FFFFFF"/>
-                      </a:gs>
-                      <a:gs pos="100000">
-                        <a:srgbClr val="FFFFFF"/>
-                      </a:gs>
-                    </a:gsLst>
-                    <a:lin ang="5400000" scaled="0"/>
-                  </a:gradFill>
+                <a:rPr lang="en-US" altLang="zh-CN" sz="1200" b="1" dirty="0">
+                  <a:solidFill>
+                    <a:schemeClr val="tx1"/>
+                  </a:solidFill>
                   <a:latin typeface="Segoe UI Semibold" panose="020B0702040204020203" pitchFamily="34" charset="0"/>
                   <a:cs typeface="Segoe UI Semibold" panose="020B0702040204020203" pitchFamily="34" charset="0"/>
                 </a:rPr>
                 <a:t>1</a:t>
               </a:r>
-              <a:endParaRPr lang="en-US" sz="1200" dirty="0">
-                <a:gradFill>
-                  <a:gsLst>
-                    <a:gs pos="0">
-                      <a:srgbClr val="FFFFFF"/>
-                    </a:gs>
-                    <a:gs pos="100000">
-                      <a:srgbClr val="FFFFFF"/>
-                    </a:gs>
-                  </a:gsLst>
-                  <a:lin ang="5400000" scaled="0"/>
-                </a:gradFill>
+              <a:endParaRPr lang="en-US" sz="1200" b="1" dirty="0">
+                <a:solidFill>
+                  <a:schemeClr val="tx1"/>
+                </a:solidFill>
                 <a:latin typeface="Segoe UI Semibold" panose="020B0702040204020203" pitchFamily="34" charset="0"/>
                 <a:cs typeface="Segoe UI Semibold" panose="020B0702040204020203" pitchFamily="34" charset="0"/>
               </a:endParaRPr>
@@ -5122,9 +5074,14 @@
             <a:chOff x="5474805" y="4787345"/>
             <a:chExt cx="1007424" cy="382629"/>
           </a:xfrm>
-          <a:solidFill>
-            <a:srgbClr val="C00000"/>
-          </a:solidFill>
+          <a:pattFill prst="wdDnDiag">
+            <a:fgClr>
+              <a:srgbClr val="C00000"/>
+            </a:fgClr>
+            <a:bgClr>
+              <a:schemeClr val="bg1"/>
+            </a:bgClr>
+          </a:pattFill>
         </p:grpSpPr>
         <p:sp>
           <p:nvSpPr>
@@ -5148,7 +5105,9 @@
             </a:prstGeom>
             <a:grpFill/>
             <a:ln>
-              <a:noFill/>
+              <a:solidFill>
+                <a:schemeClr val="tx1"/>
+              </a:solidFill>
               <a:headEnd type="none" w="med" len="med"/>
               <a:tailEnd type="none" w="med" len="med"/>
             </a:ln>
@@ -5189,18 +5148,10 @@
                 </a:spcAft>
                 <a:defRPr/>
               </a:pPr>
-              <a:endParaRPr lang="en-US" sz="1200">
-                <a:gradFill>
-                  <a:gsLst>
-                    <a:gs pos="0">
-                      <a:srgbClr val="FFFFFF"/>
-                    </a:gs>
-                    <a:gs pos="100000">
-                      <a:srgbClr val="FFFFFF"/>
-                    </a:gs>
-                  </a:gsLst>
-                  <a:lin ang="5400000" scaled="0"/>
-                </a:gradFill>
+              <a:endParaRPr lang="en-US" sz="1200" b="1">
+                <a:solidFill>
+                  <a:schemeClr val="tx1"/>
+                </a:solidFill>
                 <a:latin typeface="Segoe UI Semibold" panose="020B0702040204020203" pitchFamily="34" charset="0"/>
                 <a:cs typeface="Segoe UI Semibold" panose="020B0702040204020203" pitchFamily="34" charset="0"/>
               </a:endParaRPr>
@@ -5229,7 +5180,9 @@
             </a:prstGeom>
             <a:grpFill/>
             <a:ln>
-              <a:noFill/>
+              <a:solidFill>
+                <a:schemeClr val="tx1"/>
+              </a:solidFill>
               <a:headEnd type="none" w="med" len="med"/>
               <a:tailEnd type="none" w="med" len="med"/>
             </a:ln>
@@ -5270,18 +5223,10 @@
                 </a:spcAft>
                 <a:defRPr/>
               </a:pPr>
-              <a:endParaRPr lang="en-US" sz="1200">
-                <a:gradFill>
-                  <a:gsLst>
-                    <a:gs pos="0">
-                      <a:srgbClr val="FFFFFF"/>
-                    </a:gs>
-                    <a:gs pos="100000">
-                      <a:srgbClr val="FFFFFF"/>
-                    </a:gs>
-                  </a:gsLst>
-                  <a:lin ang="5400000" scaled="0"/>
-                </a:gradFill>
+              <a:endParaRPr lang="en-US" sz="1200" b="1">
+                <a:solidFill>
+                  <a:schemeClr val="tx1"/>
+                </a:solidFill>
                 <a:latin typeface="Segoe UI Semibold" panose="020B0702040204020203" pitchFamily="34" charset="0"/>
                 <a:cs typeface="Segoe UI Semibold" panose="020B0702040204020203" pitchFamily="34" charset="0"/>
               </a:endParaRPr>
@@ -5310,7 +5255,9 @@
             </a:prstGeom>
             <a:grpFill/>
             <a:ln>
-              <a:noFill/>
+              <a:solidFill>
+                <a:schemeClr val="tx1"/>
+              </a:solidFill>
               <a:headEnd type="none" w="med" len="med"/>
               <a:tailEnd type="none" w="med" len="med"/>
             </a:ln>
@@ -5352,53 +5299,29 @@
                 <a:defRPr/>
               </a:pPr>
               <a:r>
-                <a:rPr lang="zh-CN" altLang="en-US" sz="1200" dirty="0">
-                  <a:gradFill>
-                    <a:gsLst>
-                      <a:gs pos="0">
-                        <a:srgbClr val="FFFFFF"/>
-                      </a:gs>
-                      <a:gs pos="100000">
-                        <a:srgbClr val="FFFFFF"/>
-                      </a:gs>
-                    </a:gsLst>
-                    <a:lin ang="5400000" scaled="0"/>
-                  </a:gradFill>
+                <a:rPr lang="zh-CN" altLang="en-US" sz="1200" b="1" dirty="0">
+                  <a:solidFill>
+                    <a:schemeClr val="tx1"/>
+                  </a:solidFill>
                   <a:latin typeface="Segoe UI Semibold" panose="020B0702040204020203" pitchFamily="34" charset="0"/>
                   <a:cs typeface="Segoe UI Semibold" panose="020B0702040204020203" pitchFamily="34" charset="0"/>
                 </a:rPr>
                 <a:t>虚拟网卡</a:t>
               </a:r>
               <a:r>
-                <a:rPr lang="en-US" altLang="zh-CN" sz="1200" dirty="0">
-                  <a:gradFill>
-                    <a:gsLst>
-                      <a:gs pos="0">
-                        <a:srgbClr val="FFFFFF"/>
-                      </a:gs>
-                      <a:gs pos="100000">
-                        <a:srgbClr val="FFFFFF"/>
-                      </a:gs>
-                    </a:gsLst>
-                    <a:lin ang="5400000" scaled="0"/>
-                  </a:gradFill>
+                <a:rPr lang="en-US" altLang="zh-CN" sz="1200" b="1" dirty="0">
+                  <a:solidFill>
+                    <a:schemeClr val="tx1"/>
+                  </a:solidFill>
                   <a:latin typeface="Segoe UI Semibold" panose="020B0702040204020203" pitchFamily="34" charset="0"/>
                   <a:cs typeface="Segoe UI Semibold" panose="020B0702040204020203" pitchFamily="34" charset="0"/>
                 </a:rPr>
                 <a:t>2</a:t>
               </a:r>
-              <a:endParaRPr lang="en-US" sz="1200" dirty="0">
-                <a:gradFill>
-                  <a:gsLst>
-                    <a:gs pos="0">
-                      <a:srgbClr val="FFFFFF"/>
-                    </a:gs>
-                    <a:gs pos="100000">
-                      <a:srgbClr val="FFFFFF"/>
-                    </a:gs>
-                  </a:gsLst>
-                  <a:lin ang="5400000" scaled="0"/>
-                </a:gradFill>
+              <a:endParaRPr lang="en-US" sz="1200" b="1" dirty="0">
+                <a:solidFill>
+                  <a:schemeClr val="tx1"/>
+                </a:solidFill>
                 <a:latin typeface="Segoe UI Semibold" panose="020B0702040204020203" pitchFamily="34" charset="0"/>
                 <a:cs typeface="Segoe UI Semibold" panose="020B0702040204020203" pitchFamily="34" charset="0"/>
               </a:endParaRPr>
@@ -5425,9 +5348,14 @@
             <a:chOff x="5474805" y="4787345"/>
             <a:chExt cx="1007424" cy="382629"/>
           </a:xfrm>
-          <a:solidFill>
-            <a:srgbClr val="C00000"/>
-          </a:solidFill>
+          <a:pattFill prst="wdDnDiag">
+            <a:fgClr>
+              <a:srgbClr val="C00000"/>
+            </a:fgClr>
+            <a:bgClr>
+              <a:schemeClr val="bg1"/>
+            </a:bgClr>
+          </a:pattFill>
         </p:grpSpPr>
         <p:sp>
           <p:nvSpPr>
@@ -5451,7 +5379,9 @@
             </a:prstGeom>
             <a:grpFill/>
             <a:ln>
-              <a:noFill/>
+              <a:solidFill>
+                <a:schemeClr val="tx1"/>
+              </a:solidFill>
               <a:headEnd type="none" w="med" len="med"/>
               <a:tailEnd type="none" w="med" len="med"/>
             </a:ln>
@@ -5492,18 +5422,10 @@
                 </a:spcAft>
                 <a:defRPr/>
               </a:pPr>
-              <a:endParaRPr lang="en-US" sz="1200">
-                <a:gradFill>
-                  <a:gsLst>
-                    <a:gs pos="0">
-                      <a:srgbClr val="FFFFFF"/>
-                    </a:gs>
-                    <a:gs pos="100000">
-                      <a:srgbClr val="FFFFFF"/>
-                    </a:gs>
-                  </a:gsLst>
-                  <a:lin ang="5400000" scaled="0"/>
-                </a:gradFill>
+              <a:endParaRPr lang="en-US" sz="1200" b="1">
+                <a:solidFill>
+                  <a:schemeClr val="tx1"/>
+                </a:solidFill>
                 <a:latin typeface="Segoe UI Semibold" panose="020B0702040204020203" pitchFamily="34" charset="0"/>
                 <a:cs typeface="Segoe UI Semibold" panose="020B0702040204020203" pitchFamily="34" charset="0"/>
               </a:endParaRPr>
@@ -5532,7 +5454,9 @@
             </a:prstGeom>
             <a:grpFill/>
             <a:ln>
-              <a:noFill/>
+              <a:solidFill>
+                <a:schemeClr val="tx1"/>
+              </a:solidFill>
               <a:headEnd type="none" w="med" len="med"/>
               <a:tailEnd type="none" w="med" len="med"/>
             </a:ln>
@@ -5573,18 +5497,10 @@
                 </a:spcAft>
                 <a:defRPr/>
               </a:pPr>
-              <a:endParaRPr lang="en-US" sz="1200">
-                <a:gradFill>
-                  <a:gsLst>
-                    <a:gs pos="0">
-                      <a:srgbClr val="FFFFFF"/>
-                    </a:gs>
-                    <a:gs pos="100000">
-                      <a:srgbClr val="FFFFFF"/>
-                    </a:gs>
-                  </a:gsLst>
-                  <a:lin ang="5400000" scaled="0"/>
-                </a:gradFill>
+              <a:endParaRPr lang="en-US" sz="1200" b="1">
+                <a:solidFill>
+                  <a:schemeClr val="tx1"/>
+                </a:solidFill>
                 <a:latin typeface="Segoe UI Semibold" panose="020B0702040204020203" pitchFamily="34" charset="0"/>
                 <a:cs typeface="Segoe UI Semibold" panose="020B0702040204020203" pitchFamily="34" charset="0"/>
               </a:endParaRPr>
@@ -5613,7 +5529,9 @@
             </a:prstGeom>
             <a:grpFill/>
             <a:ln>
-              <a:noFill/>
+              <a:solidFill>
+                <a:schemeClr val="tx1"/>
+              </a:solidFill>
               <a:headEnd type="none" w="med" len="med"/>
               <a:tailEnd type="none" w="med" len="med"/>
             </a:ln>
@@ -5655,53 +5573,29 @@
                 <a:defRPr/>
               </a:pPr>
               <a:r>
-                <a:rPr lang="zh-CN" altLang="en-US" sz="1200" dirty="0">
-                  <a:gradFill>
-                    <a:gsLst>
-                      <a:gs pos="0">
-                        <a:srgbClr val="FFFFFF"/>
-                      </a:gs>
-                      <a:gs pos="100000">
-                        <a:srgbClr val="FFFFFF"/>
-                      </a:gs>
-                    </a:gsLst>
-                    <a:lin ang="5400000" scaled="0"/>
-                  </a:gradFill>
+                <a:rPr lang="zh-CN" altLang="en-US" sz="1200" b="1" dirty="0">
+                  <a:solidFill>
+                    <a:schemeClr val="tx1"/>
+                  </a:solidFill>
                   <a:latin typeface="Segoe UI Semibold" panose="020B0702040204020203" pitchFamily="34" charset="0"/>
                   <a:cs typeface="Segoe UI Semibold" panose="020B0702040204020203" pitchFamily="34" charset="0"/>
                 </a:rPr>
                 <a:t>虚拟网卡</a:t>
               </a:r>
               <a:r>
-                <a:rPr lang="en-US" altLang="zh-CN" sz="1200" dirty="0">
-                  <a:gradFill>
-                    <a:gsLst>
-                      <a:gs pos="0">
-                        <a:srgbClr val="FFFFFF"/>
-                      </a:gs>
-                      <a:gs pos="100000">
-                        <a:srgbClr val="FFFFFF"/>
-                      </a:gs>
-                    </a:gsLst>
-                    <a:lin ang="5400000" scaled="0"/>
-                  </a:gradFill>
+                <a:rPr lang="en-US" altLang="zh-CN" sz="1200" b="1" dirty="0">
+                  <a:solidFill>
+                    <a:schemeClr val="tx1"/>
+                  </a:solidFill>
                   <a:latin typeface="Segoe UI Semibold" panose="020B0702040204020203" pitchFamily="34" charset="0"/>
                   <a:cs typeface="Segoe UI Semibold" panose="020B0702040204020203" pitchFamily="34" charset="0"/>
                 </a:rPr>
                 <a:t>3</a:t>
               </a:r>
-              <a:endParaRPr lang="en-US" sz="1200" dirty="0">
-                <a:gradFill>
-                  <a:gsLst>
-                    <a:gs pos="0">
-                      <a:srgbClr val="FFFFFF"/>
-                    </a:gs>
-                    <a:gs pos="100000">
-                      <a:srgbClr val="FFFFFF"/>
-                    </a:gs>
-                  </a:gsLst>
-                  <a:lin ang="5400000" scaled="0"/>
-                </a:gradFill>
+              <a:endParaRPr lang="en-US" sz="1200" b="1" dirty="0">
+                <a:solidFill>
+                  <a:schemeClr val="tx1"/>
+                </a:solidFill>
                 <a:latin typeface="Segoe UI Semibold" panose="020B0702040204020203" pitchFamily="34" charset="0"/>
                 <a:cs typeface="Segoe UI Semibold" panose="020B0702040204020203" pitchFamily="34" charset="0"/>
               </a:endParaRPr>
@@ -5877,12 +5771,17 @@
           <a:prstGeom prst="rect">
             <a:avLst/>
           </a:prstGeom>
-          <a:solidFill>
-            <a:srgbClr val="C00000"/>
-          </a:solidFill>
+          <a:pattFill prst="wdDnDiag">
+            <a:fgClr>
+              <a:srgbClr val="C00000"/>
+            </a:fgClr>
+            <a:bgClr>
+              <a:schemeClr val="bg1"/>
+            </a:bgClr>
+          </a:pattFill>
           <a:ln>
             <a:solidFill>
-              <a:schemeClr val="bg1"/>
+              <a:schemeClr val="tx1"/>
             </a:solidFill>
             <a:headEnd type="none" w="med" len="med"/>
             <a:tailEnd type="none" w="med" len="med"/>
@@ -5925,9 +5824,9 @@
               </a:spcAft>
             </a:pPr>
             <a:r>
-              <a:rPr kumimoji="1" lang="zh-CN" altLang="en-US" sz="1400" dirty="0">
+              <a:rPr kumimoji="1" lang="zh-CN" altLang="en-US" sz="1400" b="1" dirty="0">
                 <a:solidFill>
-                  <a:schemeClr val="bg1"/>
+                  <a:schemeClr val="tx1"/>
                 </a:solidFill>
                 <a:ea typeface="Segoe UI" pitchFamily="34" charset="0"/>
                 <a:cs typeface="Segoe UI" pitchFamily="34" charset="0"/>
@@ -6392,10 +6291,18 @@
           <a:prstGeom prst="rect">
             <a:avLst/>
           </a:prstGeom>
-          <a:solidFill>
-            <a:srgbClr val="C00000"/>
-          </a:solidFill>
+          <a:pattFill prst="wdDnDiag">
+            <a:fgClr>
+              <a:srgbClr val="C00000"/>
+            </a:fgClr>
+            <a:bgClr>
+              <a:schemeClr val="bg1"/>
+            </a:bgClr>
+          </a:pattFill>
           <a:ln>
+            <a:solidFill>
+              <a:schemeClr val="tx1"/>
+            </a:solidFill>
             <a:headEnd type="none" w="med" len="med"/>
             <a:tailEnd type="none" w="med" len="med"/>
           </a:ln>
@@ -6437,9 +6344,9 @@
               </a:spcAft>
             </a:pPr>
             <a:r>
-              <a:rPr kumimoji="1" lang="zh-CN" altLang="en-US" sz="1400" dirty="0">
+              <a:rPr kumimoji="1" lang="zh-CN" altLang="en-US" sz="1400" b="1" dirty="0">
                 <a:solidFill>
-                  <a:schemeClr val="bg1"/>
+                  <a:schemeClr val="tx1"/>
                 </a:solidFill>
                 <a:ea typeface="Segoe UI" pitchFamily="34" charset="0"/>
                 <a:cs typeface="Segoe UI" pitchFamily="34" charset="0"/>
@@ -6469,10 +6376,18 @@
           <a:prstGeom prst="rect">
             <a:avLst/>
           </a:prstGeom>
-          <a:solidFill>
-            <a:srgbClr val="C00000"/>
-          </a:solidFill>
+          <a:pattFill prst="wdDnDiag">
+            <a:fgClr>
+              <a:srgbClr val="C00000"/>
+            </a:fgClr>
+            <a:bgClr>
+              <a:schemeClr val="bg1"/>
+            </a:bgClr>
+          </a:pattFill>
           <a:ln>
+            <a:solidFill>
+              <a:schemeClr val="tx1"/>
+            </a:solidFill>
             <a:headEnd type="none" w="med" len="med"/>
             <a:tailEnd type="none" w="med" len="med"/>
           </a:ln>
@@ -6514,9 +6429,9 @@
               </a:spcAft>
             </a:pPr>
             <a:r>
-              <a:rPr kumimoji="1" lang="zh-CN" altLang="en-US" sz="1400" dirty="0">
+              <a:rPr kumimoji="1" lang="zh-CN" altLang="en-US" sz="1400" b="1" dirty="0">
                 <a:solidFill>
-                  <a:schemeClr val="bg1"/>
+                  <a:schemeClr val="tx1"/>
                 </a:solidFill>
                 <a:ea typeface="Segoe UI" pitchFamily="34" charset="0"/>
                 <a:cs typeface="Segoe UI" pitchFamily="34" charset="0"/>
@@ -6886,7 +6801,20 @@
           <a:prstGeom prst="rect">
             <a:avLst/>
           </a:prstGeom>
+          <a:pattFill prst="pct50">
+            <a:fgClr>
+              <a:schemeClr val="bg2">
+                <a:lumMod val="90000"/>
+              </a:schemeClr>
+            </a:fgClr>
+            <a:bgClr>
+              <a:schemeClr val="bg1"/>
+            </a:bgClr>
+          </a:pattFill>
           <a:ln>
+            <a:solidFill>
+              <a:schemeClr val="tx1"/>
+            </a:solidFill>
             <a:headEnd type="none" w="med" len="med"/>
             <a:tailEnd type="none" w="med" len="med"/>
           </a:ln>
@@ -6930,7 +6858,7 @@
             <a:r>
               <a:rPr kumimoji="1" lang="zh-CN" altLang="en-US" sz="1400" dirty="0">
                 <a:solidFill>
-                  <a:schemeClr val="bg1"/>
+                  <a:schemeClr val="tx1"/>
                 </a:solidFill>
                 <a:ea typeface="Segoe UI" pitchFamily="34" charset="0"/>
                 <a:cs typeface="Segoe UI" pitchFamily="34" charset="0"/>
@@ -6960,7 +6888,20 @@
           <a:prstGeom prst="rect">
             <a:avLst/>
           </a:prstGeom>
+          <a:pattFill prst="pct50">
+            <a:fgClr>
+              <a:schemeClr val="bg2">
+                <a:lumMod val="90000"/>
+              </a:schemeClr>
+            </a:fgClr>
+            <a:bgClr>
+              <a:schemeClr val="bg1"/>
+            </a:bgClr>
+          </a:pattFill>
           <a:ln>
+            <a:solidFill>
+              <a:schemeClr val="tx1"/>
+            </a:solidFill>
             <a:headEnd type="none" w="med" len="med"/>
             <a:tailEnd type="none" w="med" len="med"/>
           </a:ln>
@@ -7004,7 +6945,7 @@
             <a:r>
               <a:rPr kumimoji="1" lang="zh-CN" altLang="en-US" sz="1400" dirty="0">
                 <a:solidFill>
-                  <a:schemeClr val="bg1"/>
+                  <a:schemeClr val="tx1"/>
                 </a:solidFill>
                 <a:ea typeface="Segoe UI" pitchFamily="34" charset="0"/>
                 <a:cs typeface="Segoe UI" pitchFamily="34" charset="0"/>
@@ -7151,10 +7092,20 @@
           <a:prstGeom prst="rect">
             <a:avLst/>
           </a:prstGeom>
-          <a:solidFill>
-            <a:srgbClr val="007ADB"/>
-          </a:solidFill>
+          <a:pattFill prst="pct50">
+            <a:fgClr>
+              <a:schemeClr val="bg2">
+                <a:lumMod val="90000"/>
+              </a:schemeClr>
+            </a:fgClr>
+            <a:bgClr>
+              <a:schemeClr val="bg1"/>
+            </a:bgClr>
+          </a:pattFill>
           <a:ln>
+            <a:solidFill>
+              <a:schemeClr val="tx1"/>
+            </a:solidFill>
             <a:headEnd type="none" w="med" len="med"/>
             <a:tailEnd type="none" w="med" len="med"/>
           </a:ln>
@@ -7198,7 +7149,7 @@
             <a:r>
               <a:rPr kumimoji="1" lang="zh-CN" altLang="en-US" sz="1400" dirty="0">
                 <a:solidFill>
-                  <a:schemeClr val="bg1"/>
+                  <a:schemeClr val="tx1"/>
                 </a:solidFill>
                 <a:ea typeface="Segoe UI" pitchFamily="34" charset="0"/>
                 <a:cs typeface="Segoe UI" pitchFamily="34" charset="0"/>
@@ -7383,10 +7334,20 @@
           <a:prstGeom prst="rect">
             <a:avLst/>
           </a:prstGeom>
-          <a:solidFill>
-            <a:srgbClr val="007ADB"/>
-          </a:solidFill>
+          <a:pattFill prst="pct50">
+            <a:fgClr>
+              <a:schemeClr val="bg2">
+                <a:lumMod val="90000"/>
+              </a:schemeClr>
+            </a:fgClr>
+            <a:bgClr>
+              <a:schemeClr val="bg1"/>
+            </a:bgClr>
+          </a:pattFill>
           <a:ln>
+            <a:solidFill>
+              <a:schemeClr val="tx1"/>
+            </a:solidFill>
             <a:headEnd type="none" w="med" len="med"/>
             <a:tailEnd type="none" w="med" len="med"/>
           </a:ln>
@@ -7430,7 +7391,7 @@
             <a:r>
               <a:rPr kumimoji="1" lang="zh-CN" altLang="en-US" sz="1400" dirty="0">
                 <a:solidFill>
-                  <a:schemeClr val="bg1"/>
+                  <a:schemeClr val="tx1"/>
                 </a:solidFill>
                 <a:ea typeface="Segoe UI" pitchFamily="34" charset="0"/>
                 <a:cs typeface="Segoe UI" pitchFamily="34" charset="0"/>
@@ -7615,10 +7576,20 @@
           <a:prstGeom prst="rect">
             <a:avLst/>
           </a:prstGeom>
-          <a:solidFill>
-            <a:srgbClr val="007ADB"/>
-          </a:solidFill>
+          <a:pattFill prst="pct50">
+            <a:fgClr>
+              <a:schemeClr val="bg2">
+                <a:lumMod val="90000"/>
+              </a:schemeClr>
+            </a:fgClr>
+            <a:bgClr>
+              <a:schemeClr val="bg1"/>
+            </a:bgClr>
+          </a:pattFill>
           <a:ln>
+            <a:solidFill>
+              <a:schemeClr val="tx1"/>
+            </a:solidFill>
             <a:headEnd type="none" w="med" len="med"/>
             <a:tailEnd type="none" w="med" len="med"/>
           </a:ln>
@@ -7662,7 +7633,7 @@
             <a:r>
               <a:rPr kumimoji="1" lang="zh-CN" altLang="en-US" sz="1400" dirty="0">
                 <a:solidFill>
-                  <a:schemeClr val="bg1"/>
+                  <a:schemeClr val="tx1"/>
                 </a:solidFill>
                 <a:ea typeface="Segoe UI" pitchFamily="34" charset="0"/>
                 <a:cs typeface="Segoe UI" pitchFamily="34" charset="0"/>
